--- a/PosterParkinson.pptx
+++ b/PosterParkinson.pptx
@@ -136,6 +136,13 @@
     <p:extLst>
       <p:ext uri="{19B8F6BF-5375-455C-9EA6-DF929625EA0E}">
         <p15:presenceInfo xmlns:p15="http://schemas.microsoft.com/office/powerpoint/2012/main" userId="K.A.P.M. Lemmink" providerId="None"/>
+      </p:ext>
+    </p:extLst>
+  </p:cmAuthor>
+  <p:cmAuthor id="3" name=" " initials="" lastIdx="1" clrIdx="2">
+    <p:extLst>
+      <p:ext uri="{19B8F6BF-5375-455C-9EA6-DF929625EA0E}">
+        <p15:presenceInfo xmlns:p15="http://schemas.microsoft.com/office/powerpoint/2012/main" userId="0d456059ae0bd3ca" providerId="Windows Live"/>
       </p:ext>
     </p:extLst>
   </p:cmAuthor>
@@ -3963,7 +3970,7 @@
                   <a:schemeClr val="bg1"/>
                 </a:solidFill>
               </a:rPr>
-              <a:t>, ….. •</a:t>
+              <a:t> •</a:t>
             </a:r>
             <a:endParaRPr lang="en-GB" sz="4000" b="1" dirty="0">
               <a:solidFill>
@@ -4168,8 +4175,8 @@
         </p:nvSpPr>
         <p:spPr bwMode="auto">
           <a:xfrm>
-            <a:off x="13110300" y="6592575"/>
-            <a:ext cx="16860951" cy="1260000"/>
+            <a:off x="12761342" y="6592575"/>
+            <a:ext cx="17270588" cy="1260000"/>
           </a:xfrm>
           <a:prstGeom prst="round1Rect">
             <a:avLst/>
@@ -4457,12 +4464,44 @@
           <a:p>
             <a:pPr algn="ctr"/>
             <a:r>
+              <a:rPr lang="en-US" sz="6600" b="1" dirty="0" err="1">
+                <a:solidFill>
+                  <a:schemeClr val="bg1"/>
+                </a:solidFill>
+              </a:rPr>
+              <a:t>DeTeCtInG</a:t>
+            </a:r>
+            <a:r>
               <a:rPr lang="en-US" sz="6600" b="1" dirty="0">
                 <a:solidFill>
                   <a:schemeClr val="bg1"/>
                 </a:solidFill>
               </a:rPr>
-              <a:t>Detecting Parkinson’s Disease</a:t>
+              <a:t> </a:t>
+            </a:r>
+            <a:r>
+              <a:rPr lang="en-US" sz="6600" b="1" dirty="0" err="1">
+                <a:solidFill>
+                  <a:schemeClr val="bg1"/>
+                </a:solidFill>
+              </a:rPr>
+              <a:t>pArKiNsOn’S</a:t>
+            </a:r>
+            <a:r>
+              <a:rPr lang="en-US" sz="6600" b="1" dirty="0">
+                <a:solidFill>
+                  <a:schemeClr val="bg1"/>
+                </a:solidFill>
+              </a:rPr>
+              <a:t> </a:t>
+            </a:r>
+            <a:r>
+              <a:rPr lang="en-US" sz="6600" b="1" dirty="0" err="1">
+                <a:solidFill>
+                  <a:schemeClr val="bg1"/>
+                </a:solidFill>
+              </a:rPr>
+              <a:t>dIsEaSe</a:t>
             </a:r>
             <a:endParaRPr lang="nl-NL" sz="7200" b="1" dirty="0">
               <a:solidFill>
@@ -4480,8 +4519,8 @@
         </p:nvSpPr>
         <p:spPr bwMode="auto">
           <a:xfrm rot="5400000">
-            <a:off x="1161244" y="5706037"/>
-            <a:ext cx="10142488" cy="12185277"/>
+            <a:off x="839478" y="6027802"/>
+            <a:ext cx="10786019" cy="12185277"/>
           </a:xfrm>
           <a:prstGeom prst="round1Rect">
             <a:avLst/>
@@ -4533,8 +4572,8 @@
         </p:nvSpPr>
         <p:spPr bwMode="auto">
           <a:xfrm rot="5400000">
-            <a:off x="16530731" y="3367678"/>
-            <a:ext cx="10141447" cy="16860953"/>
+            <a:off x="16003626" y="3485145"/>
+            <a:ext cx="10786018" cy="17270589"/>
           </a:xfrm>
           <a:prstGeom prst="round1Rect">
             <a:avLst/>
@@ -4776,8 +4815,8 @@
         </p:nvSpPr>
         <p:spPr>
           <a:xfrm>
-            <a:off x="311045" y="14678855"/>
-            <a:ext cx="11527440" cy="1651671"/>
+            <a:off x="254665" y="14512918"/>
+            <a:ext cx="11527440" cy="4421660"/>
           </a:xfrm>
           <a:prstGeom prst="rect">
             <a:avLst/>
@@ -4790,26 +4829,46 @@
           </a:bodyPr>
           <a:lstStyle/>
           <a:p>
-            <a:pPr>
+            <a:r>
+              <a:rPr lang="en-US" sz="3600" b="1" dirty="0"/>
+              <a:t>Study goals: </a:t>
+            </a:r>
+          </a:p>
+          <a:p>
+            <a:pPr marL="742950" indent="-742950">
+              <a:buAutoNum type="arabicPeriod"/>
+            </a:pPr>
+            <a:r>
+              <a:rPr lang="en-US" sz="3600" b="1" dirty="0"/>
+              <a:t>Predicting mild Parkinson’s disease using type data. </a:t>
+            </a:r>
+          </a:p>
+          <a:p>
+            <a:pPr marL="742950" indent="-742950">
+              <a:buAutoNum type="arabicPeriod"/>
+            </a:pPr>
+            <a:r>
+              <a:rPr lang="en-US" sz="3600" b="1" dirty="0"/>
+              <a:t>Study whether L-Dopa influences the results of the classification model.</a:t>
+            </a:r>
+          </a:p>
+          <a:p>
+            <a:pPr marL="742950" indent="-742950">
               <a:lnSpc>
                 <a:spcPct val="150000"/>
               </a:lnSpc>
+              <a:buAutoNum type="arabicPeriod"/>
             </a:pPr>
-            <a:r>
-              <a:rPr lang="en-US" sz="3600" b="1" dirty="0"/>
-              <a:t>Study goal: </a:t>
-            </a:r>
-          </a:p>
-          <a:p>
-            <a:pPr>
+            <a:endParaRPr lang="en-US" sz="3600" b="1" dirty="0"/>
+          </a:p>
+          <a:p>
+            <a:pPr marL="742950" indent="-742950">
               <a:lnSpc>
                 <a:spcPct val="150000"/>
               </a:lnSpc>
+              <a:buAutoNum type="arabicPeriod"/>
             </a:pPr>
-            <a:r>
-              <a:rPr lang="en-US" sz="3600" b="1" dirty="0"/>
-              <a:t>Predicting Parkinson’s disease using type data.</a:t>
-            </a:r>
+            <a:endParaRPr lang="en-US" sz="3600" b="1" dirty="0"/>
           </a:p>
         </p:txBody>
       </p:sp>
@@ -4827,8 +4886,8 @@
         </p:nvSpPr>
         <p:spPr>
           <a:xfrm>
-            <a:off x="311045" y="8015283"/>
-            <a:ext cx="11605612" cy="5910401"/>
+            <a:off x="313163" y="7863853"/>
+            <a:ext cx="11605612" cy="6649064"/>
           </a:xfrm>
           <a:prstGeom prst="rect">
             <a:avLst/>
@@ -4848,7 +4907,7 @@
             </a:pPr>
             <a:r>
               <a:rPr lang="en-US" sz="3200" dirty="0"/>
-              <a:t>Partly because there is no definitive test for diagnosing Parkinson’s [1,2], too often the wrong diagnosis is made [1]. The rate of good diagnosis also depends on who is performing it [1]. In the early stages of Parkinson’s, there are subtle changes in the fine motor control [4], which can be detected during a fine motor control task, such as typing. As a solution to the diagnostic problem, this project looks for a way to use machine learning in the early detection of Parkinson’s disease.  </a:t>
+              <a:t>Partly because there is no definitive test for diagnosing Parkinson’s Disease (PD) [1,2], too often the wrong diagnosis is made [1]. The rate of good diagnosis also depends on who is performing it [1]. In the early stages of Parkinson’s, there are subtle changes in the fine motor control [3], which can be detected during a fine motor control task, such as typing. As a solution to the diagnostic problem, this project looks for a way to use machine learning in the early detection of Parkinson’s disease and what the impact of L-Dopa us on the model. </a:t>
             </a:r>
           </a:p>
         </p:txBody>
@@ -5143,6 +5202,1001 @@
               <a:t>DOI: 10.1159/000448751.</a:t>
             </a:r>
             <a:endParaRPr lang="en-US" sz="2200" dirty="0"/>
+          </a:p>
+        </p:txBody>
+      </p:sp>
+      <p:pic>
+        <p:nvPicPr>
+          <p:cNvPr id="9" name="Afbeelding 8">
+            <a:extLst>
+              <a:ext uri="{FF2B5EF4-FFF2-40B4-BE49-F238E27FC236}">
+                <a16:creationId xmlns:a16="http://schemas.microsoft.com/office/drawing/2014/main" id="{C8F3ADCA-068F-40E3-9DB0-6BB2603023B6}"/>
+              </a:ext>
+            </a:extLst>
+          </p:cNvPr>
+          <p:cNvPicPr>
+            <a:picLocks noChangeAspect="1"/>
+          </p:cNvPicPr>
+          <p:nvPr/>
+        </p:nvPicPr>
+        <p:blipFill>
+          <a:blip r:embed="rId5"/>
+          <a:stretch>
+            <a:fillRect/>
+          </a:stretch>
+        </p:blipFill>
+        <p:spPr>
+          <a:xfrm>
+            <a:off x="225791" y="18403523"/>
+            <a:ext cx="9300606" cy="4297867"/>
+          </a:xfrm>
+          <a:prstGeom prst="rect">
+            <a:avLst/>
+          </a:prstGeom>
+        </p:spPr>
+      </p:pic>
+      <p:sp>
+        <p:nvSpPr>
+          <p:cNvPr id="12" name="Tekstvak 11">
+            <a:extLst>
+              <a:ext uri="{FF2B5EF4-FFF2-40B4-BE49-F238E27FC236}">
+                <a16:creationId xmlns:a16="http://schemas.microsoft.com/office/drawing/2014/main" id="{2B92DFA9-CB95-4310-9B0C-6C5BB1A77FD0}"/>
+              </a:ext>
+            </a:extLst>
+          </p:cNvPr>
+          <p:cNvSpPr txBox="1"/>
+          <p:nvPr/>
+        </p:nvSpPr>
+        <p:spPr>
+          <a:xfrm>
+            <a:off x="12932141" y="7864242"/>
+            <a:ext cx="16607065" cy="8865056"/>
+          </a:xfrm>
+          <a:prstGeom prst="rect">
+            <a:avLst/>
+          </a:prstGeom>
+          <a:noFill/>
+        </p:spPr>
+        <p:txBody>
+          <a:bodyPr wrap="square" rtlCol="0">
+            <a:spAutoFit/>
+          </a:bodyPr>
+          <a:lstStyle/>
+          <a:p>
+            <a:pPr>
+              <a:lnSpc>
+                <a:spcPct val="150000"/>
+              </a:lnSpc>
+            </a:pPr>
+            <a:r>
+              <a:rPr lang="en-US" sz="3200" dirty="0"/>
+              <a:t>The </a:t>
+            </a:r>
+            <a:r>
+              <a:rPr lang="en-US" sz="3200" dirty="0" err="1"/>
+              <a:t>Tappy</a:t>
+            </a:r>
+            <a:r>
+              <a:rPr lang="en-US" sz="3200" dirty="0"/>
+              <a:t> data used for this project was collected W.R Adams (2017). The data for building the classification model includes 83 participants, of which 31 had mild PD and did not use L-Dopa and 52 persons were healthy. To measure the influence of L-Dopa, there was data used of 31 mild PD patients who used L-Dopa. </a:t>
+            </a:r>
+          </a:p>
+          <a:p>
+            <a:pPr>
+              <a:lnSpc>
+                <a:spcPct val="150000"/>
+              </a:lnSpc>
+            </a:pPr>
+            <a:endParaRPr lang="en-US" sz="3200" dirty="0"/>
+          </a:p>
+          <a:p>
+            <a:pPr>
+              <a:lnSpc>
+                <a:spcPct val="150000"/>
+              </a:lnSpc>
+            </a:pPr>
+            <a:r>
+              <a:rPr lang="en-US" sz="3200" dirty="0"/>
+              <a:t>For the prediction of Parkinson’s Disease, there is looked at 27 features in the data. These were separated in two groups:</a:t>
+            </a:r>
+          </a:p>
+          <a:p>
+            <a:pPr marL="514350" indent="-514350">
+              <a:lnSpc>
+                <a:spcPct val="150000"/>
+              </a:lnSpc>
+              <a:buAutoNum type="arabicPeriod"/>
+            </a:pPr>
+            <a:r>
+              <a:rPr lang="en-US" sz="3200" b="1" dirty="0"/>
+              <a:t>Hold time </a:t>
+            </a:r>
+            <a:r>
+              <a:rPr lang="en-US" sz="3200" dirty="0"/>
+              <a:t>(9 features): elapsed time between pressing and releasing each key.</a:t>
+            </a:r>
+          </a:p>
+          <a:p>
+            <a:pPr marL="514350" indent="-514350">
+              <a:lnSpc>
+                <a:spcPct val="150000"/>
+              </a:lnSpc>
+              <a:buAutoNum type="arabicPeriod"/>
+            </a:pPr>
+            <a:r>
+              <a:rPr lang="en-US" sz="3200" b="1" dirty="0"/>
+              <a:t>Latency time </a:t>
+            </a:r>
+            <a:r>
+              <a:rPr lang="en-US" sz="3200" dirty="0"/>
+              <a:t>(18 features): elapsed time between pressing one key and the next key. </a:t>
+            </a:r>
+          </a:p>
+          <a:p>
+            <a:pPr>
+              <a:lnSpc>
+                <a:spcPct val="150000"/>
+              </a:lnSpc>
+            </a:pPr>
+            <a:r>
+              <a:rPr lang="en-US" sz="3200" dirty="0"/>
+              <a:t>The mean difference between left (L) and right (R) for hold time, and between LL &amp; RR, and LR &amp; RL for latency time, are measures of asymmetry. </a:t>
+            </a:r>
+          </a:p>
+          <a:p>
+            <a:pPr>
+              <a:lnSpc>
+                <a:spcPct val="150000"/>
+              </a:lnSpc>
+            </a:pPr>
+            <a:endParaRPr lang="en-US" sz="3200" dirty="0"/>
+          </a:p>
+        </p:txBody>
+      </p:sp>
+      <p:sp>
+        <p:nvSpPr>
+          <p:cNvPr id="14" name="Tekstvak 13">
+            <a:extLst>
+              <a:ext uri="{FF2B5EF4-FFF2-40B4-BE49-F238E27FC236}">
+                <a16:creationId xmlns:a16="http://schemas.microsoft.com/office/drawing/2014/main" id="{17B845E3-5655-4118-9976-5CF924D7D5AF}"/>
+              </a:ext>
+            </a:extLst>
+          </p:cNvPr>
+          <p:cNvSpPr txBox="1"/>
+          <p:nvPr/>
+        </p:nvSpPr>
+        <p:spPr>
+          <a:xfrm>
+            <a:off x="381257" y="22932075"/>
+            <a:ext cx="10867917" cy="523220"/>
+          </a:xfrm>
+          <a:prstGeom prst="rect">
+            <a:avLst/>
+          </a:prstGeom>
+          <a:noFill/>
+        </p:spPr>
+        <p:txBody>
+          <a:bodyPr wrap="square" rtlCol="0">
+            <a:spAutoFit/>
+          </a:bodyPr>
+          <a:lstStyle/>
+          <a:p>
+            <a:r>
+              <a:rPr lang="en-US" sz="2800" dirty="0"/>
+              <a:t>Fig.1. The keys that are used for the dataset [1]</a:t>
+            </a:r>
+          </a:p>
+        </p:txBody>
+      </p:sp>
+      <p:graphicFrame>
+        <p:nvGraphicFramePr>
+          <p:cNvPr id="17" name="Tabel 16">
+            <a:extLst>
+              <a:ext uri="{FF2B5EF4-FFF2-40B4-BE49-F238E27FC236}">
+                <a16:creationId xmlns:a16="http://schemas.microsoft.com/office/drawing/2014/main" id="{A9BAAB49-F2EC-49FB-B095-8E5CDEF715C6}"/>
+              </a:ext>
+            </a:extLst>
+          </p:cNvPr>
+          <p:cNvGraphicFramePr>
+            <a:graphicFrameLocks noGrp="1"/>
+          </p:cNvGraphicFramePr>
+          <p:nvPr>
+            <p:extLst>
+              <p:ext uri="{D42A27DB-BD31-4B8C-83A1-F6EECF244321}">
+                <p14:modId xmlns:p14="http://schemas.microsoft.com/office/powerpoint/2010/main" val="2213794307"/>
+              </p:ext>
+            </p:extLst>
+          </p:nvPr>
+        </p:nvGraphicFramePr>
+        <p:xfrm>
+          <a:off x="9881022" y="17874248"/>
+          <a:ext cx="9364381" cy="6319713"/>
+        </p:xfrm>
+        <a:graphic>
+          <a:graphicData uri="http://schemas.openxmlformats.org/drawingml/2006/table">
+            <a:tbl>
+              <a:tblPr firstRow="1" bandRow="1">
+                <a:tableStyleId>{5940675A-B579-460E-94D1-54222C63F5DA}</a:tableStyleId>
+              </a:tblPr>
+              <a:tblGrid>
+                <a:gridCol w="2747161">
+                  <a:extLst>
+                    <a:ext uri="{9D8B030D-6E8A-4147-A177-3AD203B41FA5}">
+                      <a16:colId xmlns:a16="http://schemas.microsoft.com/office/drawing/2014/main" val="3089689484"/>
+                    </a:ext>
+                  </a:extLst>
+                </a:gridCol>
+                <a:gridCol w="6617220">
+                  <a:extLst>
+                    <a:ext uri="{9D8B030D-6E8A-4147-A177-3AD203B41FA5}">
+                      <a16:colId xmlns:a16="http://schemas.microsoft.com/office/drawing/2014/main" val="2548988075"/>
+                    </a:ext>
+                  </a:extLst>
+                </a:gridCol>
+              </a:tblGrid>
+              <a:tr h="644617">
+                <a:tc>
+                  <a:txBody>
+                    <a:bodyPr/>
+                    <a:lstStyle/>
+                    <a:p>
+                      <a:pPr algn="ctr"/>
+                      <a:r>
+                        <a:rPr lang="en-US" sz="2800" b="1" dirty="0"/>
+                        <a:t>Feature</a:t>
+                      </a:r>
+                      <a:r>
+                        <a:rPr lang="en-US" sz="2800" dirty="0"/>
+                        <a:t> </a:t>
+                      </a:r>
+                      <a:r>
+                        <a:rPr lang="en-US" sz="2800" b="1" dirty="0"/>
+                        <a:t>group</a:t>
+                      </a:r>
+                    </a:p>
+                  </a:txBody>
+                  <a:tcPr/>
+                </a:tc>
+                <a:tc>
+                  <a:txBody>
+                    <a:bodyPr/>
+                    <a:lstStyle/>
+                    <a:p>
+                      <a:pPr algn="ctr"/>
+                      <a:r>
+                        <a:rPr lang="en-US" sz="2800" b="1" dirty="0"/>
+                        <a:t>Feature</a:t>
+                      </a:r>
+                    </a:p>
+                  </a:txBody>
+                  <a:tcPr/>
+                </a:tc>
+                <a:extLst>
+                  <a:ext uri="{0D108BD9-81ED-4DB2-BD59-A6C34878D82A}">
+                    <a16:rowId xmlns:a16="http://schemas.microsoft.com/office/drawing/2014/main" val="3354194896"/>
+                  </a:ext>
+                </a:extLst>
+              </a:tr>
+              <a:tr h="644617">
+                <a:tc rowSpan="3">
+                  <a:txBody>
+                    <a:bodyPr/>
+                    <a:lstStyle/>
+                    <a:p>
+                      <a:pPr algn="ctr"/>
+                      <a:r>
+                        <a:rPr lang="en-US" sz="2800" dirty="0"/>
+                        <a:t>Hold</a:t>
+                      </a:r>
+                    </a:p>
+                  </a:txBody>
+                  <a:tcPr/>
+                </a:tc>
+                <a:tc>
+                  <a:txBody>
+                    <a:bodyPr/>
+                    <a:lstStyle/>
+                    <a:p>
+                      <a:pPr algn="ctr"/>
+                      <a:r>
+                        <a:rPr lang="en-US" sz="2800" dirty="0"/>
+                        <a:t>Hold time left fingers</a:t>
+                      </a:r>
+                    </a:p>
+                  </a:txBody>
+                  <a:tcPr/>
+                </a:tc>
+                <a:extLst>
+                  <a:ext uri="{0D108BD9-81ED-4DB2-BD59-A6C34878D82A}">
+                    <a16:rowId xmlns:a16="http://schemas.microsoft.com/office/drawing/2014/main" val="1191498373"/>
+                  </a:ext>
+                </a:extLst>
+              </a:tr>
+              <a:tr h="644617">
+                <a:tc vMerge="1">
+                  <a:txBody>
+                    <a:bodyPr/>
+                    <a:lstStyle/>
+                    <a:p>
+                      <a:pPr algn="ctr"/>
+                      <a:endParaRPr lang="en-US" sz="2800" dirty="0"/>
+                    </a:p>
+                  </a:txBody>
+                  <a:tcPr/>
+                </a:tc>
+                <a:tc>
+                  <a:txBody>
+                    <a:bodyPr/>
+                    <a:lstStyle/>
+                    <a:p>
+                      <a:pPr algn="ctr"/>
+                      <a:r>
+                        <a:rPr lang="en-US" sz="2800" dirty="0"/>
+                        <a:t>Hold time right fingers</a:t>
+                      </a:r>
+                    </a:p>
+                  </a:txBody>
+                  <a:tcPr/>
+                </a:tc>
+                <a:extLst>
+                  <a:ext uri="{0D108BD9-81ED-4DB2-BD59-A6C34878D82A}">
+                    <a16:rowId xmlns:a16="http://schemas.microsoft.com/office/drawing/2014/main" val="1803153273"/>
+                  </a:ext>
+                </a:extLst>
+              </a:tr>
+              <a:tr h="644617">
+                <a:tc vMerge="1">
+                  <a:txBody>
+                    <a:bodyPr/>
+                    <a:lstStyle/>
+                    <a:p>
+                      <a:pPr algn="ctr"/>
+                      <a:endParaRPr lang="en-US" sz="2800" dirty="0"/>
+                    </a:p>
+                  </a:txBody>
+                  <a:tcPr/>
+                </a:tc>
+                <a:tc>
+                  <a:txBody>
+                    <a:bodyPr/>
+                    <a:lstStyle/>
+                    <a:p>
+                      <a:pPr algn="ctr"/>
+                      <a:r>
+                        <a:rPr lang="en-US" sz="2800" dirty="0"/>
+                        <a:t>Mean difference between left and right</a:t>
+                      </a:r>
+                    </a:p>
+                  </a:txBody>
+                  <a:tcPr/>
+                </a:tc>
+                <a:extLst>
+                  <a:ext uri="{0D108BD9-81ED-4DB2-BD59-A6C34878D82A}">
+                    <a16:rowId xmlns:a16="http://schemas.microsoft.com/office/drawing/2014/main" val="606930305"/>
+                  </a:ext>
+                </a:extLst>
+              </a:tr>
+              <a:tr h="644617">
+                <a:tc rowSpan="6">
+                  <a:txBody>
+                    <a:bodyPr/>
+                    <a:lstStyle/>
+                    <a:p>
+                      <a:pPr algn="ctr"/>
+                      <a:r>
+                        <a:rPr lang="en-US" sz="2800" dirty="0"/>
+                        <a:t>Latency</a:t>
+                      </a:r>
+                    </a:p>
+                  </a:txBody>
+                  <a:tcPr/>
+                </a:tc>
+                <a:tc>
+                  <a:txBody>
+                    <a:bodyPr/>
+                    <a:lstStyle/>
+                    <a:p>
+                      <a:pPr algn="ctr"/>
+                      <a:r>
+                        <a:rPr lang="en-US" sz="2800" dirty="0"/>
+                        <a:t>Left to right key latency</a:t>
+                      </a:r>
+                    </a:p>
+                  </a:txBody>
+                  <a:tcPr/>
+                </a:tc>
+                <a:extLst>
+                  <a:ext uri="{0D108BD9-81ED-4DB2-BD59-A6C34878D82A}">
+                    <a16:rowId xmlns:a16="http://schemas.microsoft.com/office/drawing/2014/main" val="276182603"/>
+                  </a:ext>
+                </a:extLst>
+              </a:tr>
+              <a:tr h="644617">
+                <a:tc vMerge="1">
+                  <a:txBody>
+                    <a:bodyPr/>
+                    <a:lstStyle/>
+                    <a:p>
+                      <a:pPr algn="ctr"/>
+                      <a:endParaRPr lang="en-US" sz="2800" dirty="0"/>
+                    </a:p>
+                  </a:txBody>
+                  <a:tcPr/>
+                </a:tc>
+                <a:tc>
+                  <a:txBody>
+                    <a:bodyPr/>
+                    <a:lstStyle/>
+                    <a:p>
+                      <a:pPr algn="ctr"/>
+                      <a:r>
+                        <a:rPr lang="en-US" sz="2800" dirty="0"/>
+                        <a:t>Right to left key latency</a:t>
+                      </a:r>
+                    </a:p>
+                  </a:txBody>
+                  <a:tcPr/>
+                </a:tc>
+                <a:extLst>
+                  <a:ext uri="{0D108BD9-81ED-4DB2-BD59-A6C34878D82A}">
+                    <a16:rowId xmlns:a16="http://schemas.microsoft.com/office/drawing/2014/main" val="3781771498"/>
+                  </a:ext>
+                </a:extLst>
+              </a:tr>
+              <a:tr h="644617">
+                <a:tc vMerge="1">
+                  <a:txBody>
+                    <a:bodyPr/>
+                    <a:lstStyle/>
+                    <a:p>
+                      <a:pPr algn="ctr"/>
+                      <a:endParaRPr lang="en-US" sz="2800" dirty="0"/>
+                    </a:p>
+                  </a:txBody>
+                  <a:tcPr/>
+                </a:tc>
+                <a:tc>
+                  <a:txBody>
+                    <a:bodyPr/>
+                    <a:lstStyle/>
+                    <a:p>
+                      <a:pPr algn="ctr"/>
+                      <a:r>
+                        <a:rPr lang="en-US" sz="2800" dirty="0"/>
+                        <a:t>Left to left key latency</a:t>
+                      </a:r>
+                    </a:p>
+                  </a:txBody>
+                  <a:tcPr/>
+                </a:tc>
+                <a:extLst>
+                  <a:ext uri="{0D108BD9-81ED-4DB2-BD59-A6C34878D82A}">
+                    <a16:rowId xmlns:a16="http://schemas.microsoft.com/office/drawing/2014/main" val="3420971828"/>
+                  </a:ext>
+                </a:extLst>
+              </a:tr>
+              <a:tr h="644617">
+                <a:tc vMerge="1">
+                  <a:txBody>
+                    <a:bodyPr/>
+                    <a:lstStyle/>
+                    <a:p>
+                      <a:pPr algn="ctr"/>
+                      <a:endParaRPr lang="en-US" sz="2800" dirty="0"/>
+                    </a:p>
+                  </a:txBody>
+                  <a:tcPr/>
+                </a:tc>
+                <a:tc>
+                  <a:txBody>
+                    <a:bodyPr/>
+                    <a:lstStyle/>
+                    <a:p>
+                      <a:pPr algn="ctr"/>
+                      <a:r>
+                        <a:rPr lang="en-US" sz="2800" dirty="0"/>
+                        <a:t>Right to right key latency</a:t>
+                      </a:r>
+                    </a:p>
+                  </a:txBody>
+                  <a:tcPr/>
+                </a:tc>
+                <a:extLst>
+                  <a:ext uri="{0D108BD9-81ED-4DB2-BD59-A6C34878D82A}">
+                    <a16:rowId xmlns:a16="http://schemas.microsoft.com/office/drawing/2014/main" val="1188598437"/>
+                  </a:ext>
+                </a:extLst>
+              </a:tr>
+              <a:tr h="644617">
+                <a:tc vMerge="1">
+                  <a:txBody>
+                    <a:bodyPr/>
+                    <a:lstStyle/>
+                    <a:p>
+                      <a:pPr algn="ctr"/>
+                      <a:endParaRPr lang="en-US" sz="2800" dirty="0"/>
+                    </a:p>
+                  </a:txBody>
+                  <a:tcPr/>
+                </a:tc>
+                <a:tc>
+                  <a:txBody>
+                    <a:bodyPr/>
+                    <a:lstStyle/>
+                    <a:p>
+                      <a:pPr algn="ctr"/>
+                      <a:r>
+                        <a:rPr lang="en-US" sz="2800" dirty="0"/>
+                        <a:t>Mean difference between LR and RL</a:t>
+                      </a:r>
+                    </a:p>
+                  </a:txBody>
+                  <a:tcPr/>
+                </a:tc>
+                <a:extLst>
+                  <a:ext uri="{0D108BD9-81ED-4DB2-BD59-A6C34878D82A}">
+                    <a16:rowId xmlns:a16="http://schemas.microsoft.com/office/drawing/2014/main" val="2810017214"/>
+                  </a:ext>
+                </a:extLst>
+              </a:tr>
+              <a:tr h="303696">
+                <a:tc vMerge="1">
+                  <a:txBody>
+                    <a:bodyPr/>
+                    <a:lstStyle/>
+                    <a:p>
+                      <a:pPr algn="ctr"/>
+                      <a:endParaRPr lang="en-US" sz="2800" dirty="0"/>
+                    </a:p>
+                  </a:txBody>
+                  <a:tcPr/>
+                </a:tc>
+                <a:tc>
+                  <a:txBody>
+                    <a:bodyPr/>
+                    <a:lstStyle/>
+                    <a:p>
+                      <a:pPr marL="0" marR="0" lvl="0" indent="0" algn="ctr" defTabSz="914217" rtl="0" eaLnBrk="1" fontAlgn="auto" latinLnBrk="0" hangingPunct="1">
+                        <a:lnSpc>
+                          <a:spcPct val="100000"/>
+                        </a:lnSpc>
+                        <a:spcBef>
+                          <a:spcPts val="0"/>
+                        </a:spcBef>
+                        <a:spcAft>
+                          <a:spcPts val="0"/>
+                        </a:spcAft>
+                        <a:buClrTx/>
+                        <a:buSzTx/>
+                        <a:buFontTx/>
+                        <a:buNone/>
+                        <a:tabLst/>
+                        <a:defRPr/>
+                      </a:pPr>
+                      <a:r>
+                        <a:rPr lang="en-US" sz="2800" dirty="0"/>
+                        <a:t>Mean difference between RR and LL</a:t>
+                      </a:r>
+                    </a:p>
+                  </a:txBody>
+                  <a:tcPr/>
+                </a:tc>
+                <a:extLst>
+                  <a:ext uri="{0D108BD9-81ED-4DB2-BD59-A6C34878D82A}">
+                    <a16:rowId xmlns:a16="http://schemas.microsoft.com/office/drawing/2014/main" val="2463463219"/>
+                  </a:ext>
+                </a:extLst>
+              </a:tr>
+            </a:tbl>
+          </a:graphicData>
+        </a:graphic>
+      </p:graphicFrame>
+      <p:sp>
+        <p:nvSpPr>
+          <p:cNvPr id="19" name="Tekstvak 18">
+            <a:extLst>
+              <a:ext uri="{FF2B5EF4-FFF2-40B4-BE49-F238E27FC236}">
+                <a16:creationId xmlns:a16="http://schemas.microsoft.com/office/drawing/2014/main" id="{27518AA2-2272-4E2D-B8B6-95EF7D1ED367}"/>
+              </a:ext>
+            </a:extLst>
+          </p:cNvPr>
+          <p:cNvSpPr txBox="1"/>
+          <p:nvPr/>
+        </p:nvSpPr>
+        <p:spPr>
+          <a:xfrm>
+            <a:off x="10008572" y="24194610"/>
+            <a:ext cx="9364381" cy="523220"/>
+          </a:xfrm>
+          <a:prstGeom prst="rect">
+            <a:avLst/>
+          </a:prstGeom>
+          <a:noFill/>
+        </p:spPr>
+        <p:txBody>
+          <a:bodyPr wrap="square" rtlCol="0">
+            <a:spAutoFit/>
+          </a:bodyPr>
+          <a:lstStyle/>
+          <a:p>
+            <a:r>
+              <a:rPr lang="en-US" sz="2800" dirty="0"/>
+              <a:t>Table.1. Features used for the classification model.</a:t>
+            </a:r>
+          </a:p>
+        </p:txBody>
+      </p:sp>
+      <p:sp>
+        <p:nvSpPr>
+          <p:cNvPr id="21" name="Tekstvak 20">
+            <a:extLst>
+              <a:ext uri="{FF2B5EF4-FFF2-40B4-BE49-F238E27FC236}">
+                <a16:creationId xmlns:a16="http://schemas.microsoft.com/office/drawing/2014/main" id="{94B141B0-7087-44E9-B0D4-B5AA7DE50A88}"/>
+              </a:ext>
+            </a:extLst>
+          </p:cNvPr>
+          <p:cNvSpPr txBox="1"/>
+          <p:nvPr/>
+        </p:nvSpPr>
+        <p:spPr>
+          <a:xfrm>
+            <a:off x="349607" y="26406553"/>
+            <a:ext cx="13563863" cy="9448740"/>
+          </a:xfrm>
+          <a:prstGeom prst="rect">
+            <a:avLst/>
+          </a:prstGeom>
+          <a:noFill/>
+        </p:spPr>
+        <p:txBody>
+          <a:bodyPr wrap="square" rtlCol="0">
+            <a:spAutoFit/>
+          </a:bodyPr>
+          <a:lstStyle/>
+          <a:p>
+            <a:pPr marL="457200" indent="-457200">
+              <a:lnSpc>
+                <a:spcPct val="150000"/>
+              </a:lnSpc>
+              <a:buBlip>
+                <a:blip r:embed="rId6"/>
+              </a:buBlip>
+            </a:pPr>
+            <a:r>
+              <a:rPr lang="en-US" sz="3200" dirty="0"/>
+              <a:t>For all </a:t>
+            </a:r>
+            <a:r>
+              <a:rPr lang="en-US" sz="3200" dirty="0" err="1"/>
+              <a:t>particpants</a:t>
+            </a:r>
+            <a:r>
+              <a:rPr lang="en-US" sz="3200" dirty="0"/>
+              <a:t>, we calculated the mean, standard deviation, kurtosis and skewness of the features (see table 1).</a:t>
+            </a:r>
+          </a:p>
+          <a:p>
+            <a:pPr marL="457200" indent="-457200">
+              <a:lnSpc>
+                <a:spcPct val="150000"/>
+              </a:lnSpc>
+              <a:buBlip>
+                <a:blip r:embed="rId6"/>
+              </a:buBlip>
+            </a:pPr>
+            <a:r>
+              <a:rPr lang="en-US" sz="3200" dirty="0"/>
+              <a:t>The Principle Component Analysis (PCA) </a:t>
+            </a:r>
+            <a:r>
+              <a:rPr lang="en-US" sz="3200" dirty="0" err="1"/>
+              <a:t>WaS</a:t>
+            </a:r>
+            <a:r>
+              <a:rPr lang="en-US" sz="3200" dirty="0"/>
+              <a:t> </a:t>
+            </a:r>
+            <a:r>
+              <a:rPr lang="en-US" sz="3200" dirty="0" err="1"/>
+              <a:t>uSeD</a:t>
+            </a:r>
+            <a:r>
+              <a:rPr lang="en-US" sz="3200" dirty="0"/>
+              <a:t> </a:t>
+            </a:r>
+            <a:r>
+              <a:rPr lang="en-US" sz="3200" dirty="0" err="1"/>
+              <a:t>tO</a:t>
+            </a:r>
+            <a:r>
+              <a:rPr lang="en-US" sz="3200" dirty="0"/>
+              <a:t> </a:t>
+            </a:r>
+            <a:r>
+              <a:rPr lang="en-US" sz="3200" dirty="0" err="1"/>
+              <a:t>rEdUcE</a:t>
+            </a:r>
+            <a:r>
+              <a:rPr lang="en-US" sz="3200" dirty="0"/>
+              <a:t> </a:t>
+            </a:r>
+            <a:r>
+              <a:rPr lang="en-US" sz="3200" dirty="0" err="1"/>
+              <a:t>tHe</a:t>
+            </a:r>
+            <a:r>
+              <a:rPr lang="en-US" sz="3200" dirty="0"/>
+              <a:t> </a:t>
+            </a:r>
+            <a:r>
+              <a:rPr lang="en-US" sz="3200" dirty="0" err="1"/>
+              <a:t>LaRgE</a:t>
+            </a:r>
+            <a:r>
+              <a:rPr lang="en-US" sz="3200" dirty="0"/>
+              <a:t> </a:t>
+            </a:r>
+            <a:r>
+              <a:rPr lang="en-US" sz="3200" dirty="0" err="1"/>
+              <a:t>sEt</a:t>
+            </a:r>
+            <a:r>
+              <a:rPr lang="en-US" sz="3200" dirty="0"/>
+              <a:t> Of </a:t>
+            </a:r>
+            <a:r>
+              <a:rPr lang="en-US" sz="3200" dirty="0" err="1"/>
+              <a:t>FeAtUrEs</a:t>
+            </a:r>
+            <a:r>
+              <a:rPr lang="en-US" sz="3200" dirty="0"/>
+              <a:t> To A </a:t>
+            </a:r>
+            <a:r>
+              <a:rPr lang="en-US" sz="3200" dirty="0" err="1"/>
+              <a:t>sMaLlEr</a:t>
+            </a:r>
+            <a:r>
+              <a:rPr lang="en-US" sz="3200" dirty="0"/>
+              <a:t> </a:t>
+            </a:r>
+            <a:r>
+              <a:rPr lang="en-US" sz="3200" dirty="0" err="1"/>
+              <a:t>SeT</a:t>
+            </a:r>
+            <a:r>
+              <a:rPr lang="en-US" sz="3200" dirty="0"/>
+              <a:t> </a:t>
+            </a:r>
+            <a:r>
+              <a:rPr lang="en-US" sz="3200" dirty="0" err="1"/>
+              <a:t>oF</a:t>
+            </a:r>
+            <a:r>
+              <a:rPr lang="en-US" sz="3200" dirty="0"/>
+              <a:t> 27 </a:t>
+            </a:r>
+            <a:r>
+              <a:rPr lang="en-US" sz="3200" dirty="0" err="1"/>
+              <a:t>fEaTuReS</a:t>
+            </a:r>
+            <a:r>
+              <a:rPr lang="en-US" sz="3200" dirty="0"/>
+              <a:t> (</a:t>
+            </a:r>
+            <a:r>
+              <a:rPr lang="en-US" sz="3200" dirty="0" err="1"/>
+              <a:t>sEe</a:t>
+            </a:r>
+            <a:r>
+              <a:rPr lang="en-US" sz="3200" dirty="0"/>
+              <a:t> </a:t>
+            </a:r>
+            <a:r>
+              <a:rPr lang="en-US" sz="3200" dirty="0" err="1"/>
+              <a:t>FiGuRe</a:t>
+            </a:r>
+            <a:r>
+              <a:rPr lang="en-US" sz="3200" dirty="0"/>
+              <a:t> 2)</a:t>
+            </a:r>
+          </a:p>
+          <a:p>
+            <a:pPr marL="457200" indent="-457200">
+              <a:lnSpc>
+                <a:spcPct val="150000"/>
+              </a:lnSpc>
+              <a:buBlip>
+                <a:blip r:embed="rId6"/>
+              </a:buBlip>
+            </a:pPr>
+            <a:r>
+              <a:rPr lang="en-US" sz="3200" dirty="0"/>
+              <a:t>The data used for building the classification model was randomly split in 70% training data and 30% test data, which was fitted using a 10 fold cross validation. </a:t>
+            </a:r>
+          </a:p>
+          <a:p>
+            <a:pPr marL="457200" indent="-457200">
+              <a:lnSpc>
+                <a:spcPct val="150000"/>
+              </a:lnSpc>
+              <a:buBlip>
+                <a:blip r:embed="rId6"/>
+              </a:buBlip>
+            </a:pPr>
+            <a:endParaRPr lang="en-US" sz="3200" dirty="0"/>
+          </a:p>
+          <a:p>
+            <a:pPr marL="457200" indent="-457200">
+              <a:lnSpc>
+                <a:spcPct val="150000"/>
+              </a:lnSpc>
+              <a:buBlip>
+                <a:blip r:embed="rId6"/>
+              </a:buBlip>
+            </a:pPr>
+            <a:r>
+              <a:rPr lang="en-US" sz="3200" dirty="0"/>
+              <a:t>Different models (KNN, </a:t>
+            </a:r>
+            <a:r>
+              <a:rPr lang="en-US" sz="3200" dirty="0" err="1"/>
+              <a:t>Logreg</a:t>
+            </a:r>
+            <a:r>
+              <a:rPr lang="en-US" sz="3200" dirty="0"/>
+              <a:t>, Tree) were fitted to the data ……</a:t>
+            </a:r>
+          </a:p>
+          <a:p>
+            <a:pPr marL="457200" indent="-457200">
+              <a:lnSpc>
+                <a:spcPct val="150000"/>
+              </a:lnSpc>
+              <a:buBlip>
+                <a:blip r:embed="rId6"/>
+              </a:buBlip>
+            </a:pPr>
+            <a:r>
+              <a:rPr lang="en-US" sz="3200" dirty="0"/>
+              <a:t>The regression model predicted with an accuracy of … the diagnosis of mild PD.  </a:t>
+            </a:r>
+          </a:p>
+          <a:p>
+            <a:endParaRPr lang="en-US" sz="3200" dirty="0"/>
+          </a:p>
+        </p:txBody>
+      </p:sp>
+      <p:pic>
+        <p:nvPicPr>
+          <p:cNvPr id="23" name="Afbeelding 22">
+            <a:extLst>
+              <a:ext uri="{FF2B5EF4-FFF2-40B4-BE49-F238E27FC236}">
+                <a16:creationId xmlns:a16="http://schemas.microsoft.com/office/drawing/2014/main" id="{4980D564-6A54-42AE-8938-F8F859EB6BC3}"/>
+              </a:ext>
+            </a:extLst>
+          </p:cNvPr>
+          <p:cNvPicPr>
+            <a:picLocks noChangeAspect="1"/>
+          </p:cNvPicPr>
+          <p:nvPr/>
+        </p:nvPicPr>
+        <p:blipFill rotWithShape="1">
+          <a:blip r:embed="rId6">
+            <a:extLst>
+              <a:ext uri="{28A0092B-C50C-407E-A947-70E740481C1C}">
+                <a14:useLocalDpi xmlns:a14="http://schemas.microsoft.com/office/drawing/2010/main" val="0"/>
+              </a:ext>
+            </a:extLst>
+          </a:blip>
+          <a:srcRect t="11095"/>
+          <a:stretch/>
+        </p:blipFill>
+        <p:spPr>
+          <a:xfrm>
+            <a:off x="21235673" y="17744132"/>
+            <a:ext cx="6674562" cy="6002723"/>
+          </a:xfrm>
+          <a:prstGeom prst="rect">
+            <a:avLst/>
+          </a:prstGeom>
+        </p:spPr>
+      </p:pic>
+      <p:sp>
+        <p:nvSpPr>
+          <p:cNvPr id="24" name="Tekstvak 23">
+            <a:extLst>
+              <a:ext uri="{FF2B5EF4-FFF2-40B4-BE49-F238E27FC236}">
+                <a16:creationId xmlns:a16="http://schemas.microsoft.com/office/drawing/2014/main" id="{2BB71872-F73E-4AEE-8CD2-A5EA1596AA14}"/>
+              </a:ext>
+            </a:extLst>
+          </p:cNvPr>
+          <p:cNvSpPr txBox="1"/>
+          <p:nvPr/>
+        </p:nvSpPr>
+        <p:spPr>
+          <a:xfrm>
+            <a:off x="21281870" y="23914332"/>
+            <a:ext cx="6673160" cy="523220"/>
+          </a:xfrm>
+          <a:prstGeom prst="rect">
+            <a:avLst/>
+          </a:prstGeom>
+          <a:noFill/>
+        </p:spPr>
+        <p:txBody>
+          <a:bodyPr wrap="square" rtlCol="0">
+            <a:spAutoFit/>
+          </a:bodyPr>
+          <a:lstStyle/>
+          <a:p>
+            <a:r>
+              <a:rPr lang="en-US" sz="2800" dirty="0"/>
+              <a:t>FiGuRe.2.  </a:t>
+            </a:r>
+          </a:p>
+        </p:txBody>
+      </p:sp>
+      <p:sp>
+        <p:nvSpPr>
+          <p:cNvPr id="25" name="Tekstvak 24">
+            <a:extLst>
+              <a:ext uri="{FF2B5EF4-FFF2-40B4-BE49-F238E27FC236}">
+                <a16:creationId xmlns:a16="http://schemas.microsoft.com/office/drawing/2014/main" id="{C84F88CA-C45C-4E6F-8C98-9A0128DE160C}"/>
+              </a:ext>
+            </a:extLst>
+          </p:cNvPr>
+          <p:cNvSpPr txBox="1"/>
+          <p:nvPr/>
+        </p:nvSpPr>
+        <p:spPr>
+          <a:xfrm>
+            <a:off x="14633550" y="26406553"/>
+            <a:ext cx="14905656" cy="1569660"/>
+          </a:xfrm>
+          <a:prstGeom prst="rect">
+            <a:avLst/>
+          </a:prstGeom>
+          <a:noFill/>
+        </p:spPr>
+        <p:txBody>
+          <a:bodyPr wrap="square" rtlCol="0">
+            <a:spAutoFit/>
+          </a:bodyPr>
+          <a:lstStyle/>
+          <a:p>
+            <a:pPr marL="457200" indent="-457200">
+              <a:buBlip>
+                <a:blip r:embed="rId6"/>
+              </a:buBlip>
+            </a:pPr>
+            <a:r>
+              <a:rPr lang="en-US" sz="3200" dirty="0"/>
+              <a:t>False negative / True positive rate</a:t>
+            </a:r>
+          </a:p>
+          <a:p>
+            <a:pPr marL="457200" indent="-457200">
+              <a:buBlip>
+                <a:blip r:embed="rId6"/>
+              </a:buBlip>
+            </a:pPr>
+            <a:endParaRPr lang="en-US" sz="3200" dirty="0"/>
+          </a:p>
+          <a:p>
+            <a:pPr marL="457200" indent="-457200">
+              <a:buBlip>
+                <a:blip r:embed="rId6"/>
+              </a:buBlip>
+            </a:pPr>
+            <a:r>
+              <a:rPr lang="en-US" sz="3200" dirty="0"/>
+              <a:t>Effect </a:t>
+            </a:r>
+            <a:r>
+              <a:rPr lang="en-US" sz="3200"/>
+              <a:t>of L-Dopa </a:t>
+            </a:r>
           </a:p>
         </p:txBody>
       </p:sp>

--- a/PosterParkinson.pptx
+++ b/PosterParkinson.pptx
@@ -356,7 +356,7 @@
               <a:pPr>
                 <a:defRPr/>
               </a:pPr>
-              <a:t>‹nr.›</a:t>
+              <a:t>‹#›</a:t>
             </a:fld>
             <a:endParaRPr lang="nl-NL" dirty="0">
               <a:solidFill>
@@ -568,7 +568,7 @@
               <a:pPr>
                 <a:defRPr/>
               </a:pPr>
-              <a:t>‹nr.›</a:t>
+              <a:t>‹#›</a:t>
             </a:fld>
             <a:endParaRPr lang="nl-NL" dirty="0">
               <a:solidFill>
@@ -790,7 +790,7 @@
               <a:pPr>
                 <a:defRPr/>
               </a:pPr>
-              <a:t>‹nr.›</a:t>
+              <a:t>‹#›</a:t>
             </a:fld>
             <a:endParaRPr lang="nl-NL" dirty="0">
               <a:solidFill>
@@ -1002,7 +1002,7 @@
               <a:pPr>
                 <a:defRPr/>
               </a:pPr>
-              <a:t>‹nr.›</a:t>
+              <a:t>‹#›</a:t>
             </a:fld>
             <a:endParaRPr lang="nl-NL" dirty="0">
               <a:solidFill>
@@ -1236,7 +1236,7 @@
               <a:pPr>
                 <a:defRPr/>
               </a:pPr>
-              <a:t>‹nr.›</a:t>
+              <a:t>‹#›</a:t>
             </a:fld>
             <a:endParaRPr lang="nl-NL" dirty="0">
               <a:solidFill>
@@ -1566,7 +1566,7 @@
               <a:pPr>
                 <a:defRPr/>
               </a:pPr>
-              <a:t>‹nr.›</a:t>
+              <a:t>‹#›</a:t>
             </a:fld>
             <a:endParaRPr lang="nl-NL" dirty="0">
               <a:solidFill>
@@ -2030,7 +2030,7 @@
               <a:pPr>
                 <a:defRPr/>
               </a:pPr>
-              <a:t>‹nr.›</a:t>
+              <a:t>‹#›</a:t>
             </a:fld>
             <a:endParaRPr lang="nl-NL" dirty="0">
               <a:solidFill>
@@ -2190,7 +2190,7 @@
               <a:pPr>
                 <a:defRPr/>
               </a:pPr>
-              <a:t>‹nr.›</a:t>
+              <a:t>‹#›</a:t>
             </a:fld>
             <a:endParaRPr lang="nl-NL" dirty="0">
               <a:solidFill>
@@ -2327,7 +2327,7 @@
               <a:pPr>
                 <a:defRPr/>
               </a:pPr>
-              <a:t>‹nr.›</a:t>
+              <a:t>‹#›</a:t>
             </a:fld>
             <a:endParaRPr lang="nl-NL" dirty="0">
               <a:solidFill>
@@ -2646,7 +2646,7 @@
               <a:pPr>
                 <a:defRPr/>
               </a:pPr>
-              <a:t>‹nr.›</a:t>
+              <a:t>‹#›</a:t>
             </a:fld>
             <a:endParaRPr lang="nl-NL" dirty="0">
               <a:solidFill>
@@ -2942,7 +2942,7 @@
               <a:pPr>
                 <a:defRPr/>
               </a:pPr>
-              <a:t>‹nr.›</a:t>
+              <a:t>‹#›</a:t>
             </a:fld>
             <a:endParaRPr lang="nl-NL" dirty="0">
               <a:solidFill>
@@ -3404,7 +3404,7 @@
                 </a:spcAft>
                 <a:defRPr/>
               </a:pPr>
-              <a:t>‹nr.›</a:t>
+              <a:t>‹#›</a:t>
             </a:fld>
             <a:endParaRPr lang="nl-NL" dirty="0">
               <a:solidFill>
@@ -3956,7 +3956,7 @@
               <a:t>• E-mail </a:t>
             </a:r>
             <a:r>
-              <a:rPr lang="en-US" altLang="x-none" sz="4000" b="1" dirty="0">
+              <a:rPr lang="en-US" altLang="x-none" sz="4000" b="1" dirty="0" smtClean="0">
                 <a:solidFill>
                   <a:schemeClr val="bg1"/>
                 </a:solidFill>
@@ -3970,7 +3970,15 @@
                   <a:schemeClr val="bg1"/>
                 </a:solidFill>
               </a:rPr>
-              <a:t> •</a:t>
+              <a:t> </a:t>
+            </a:r>
+            <a:r>
+              <a:rPr lang="en-US" altLang="x-none" sz="4000" b="1" dirty="0" smtClean="0">
+                <a:solidFill>
+                  <a:schemeClr val="bg1"/>
+                </a:solidFill>
+              </a:rPr>
+              <a:t>•</a:t>
             </a:r>
             <a:endParaRPr lang="en-GB" sz="4000" b="1" dirty="0">
               <a:solidFill>
@@ -4464,44 +4472,44 @@
           <a:p>
             <a:pPr algn="ctr"/>
             <a:r>
-              <a:rPr lang="en-US" sz="6600" b="1" dirty="0" err="1">
+              <a:rPr lang="en-US" sz="6600" b="1" dirty="0" smtClean="0">
                 <a:solidFill>
                   <a:schemeClr val="bg1"/>
                 </a:solidFill>
               </a:rPr>
-              <a:t>DeTeCtInG</a:t>
-            </a:r>
-            <a:r>
-              <a:rPr lang="en-US" sz="6600" b="1" dirty="0">
+              <a:t>Detecting </a:t>
+            </a:r>
+            <a:r>
+              <a:rPr lang="en-US" sz="6600" b="1" dirty="0" smtClean="0">
                 <a:solidFill>
                   <a:schemeClr val="bg1"/>
                 </a:solidFill>
               </a:rPr>
-              <a:t> </a:t>
-            </a:r>
-            <a:r>
-              <a:rPr lang="en-US" sz="6600" b="1" dirty="0" err="1">
+              <a:t>Pa</a:t>
+            </a:r>
+            <a:r>
+              <a:rPr lang="en-US" sz="6600" b="1" dirty="0" smtClean="0">
                 <a:solidFill>
                   <a:schemeClr val="bg1"/>
                 </a:solidFill>
               </a:rPr>
-              <a:t>pArKiNsOn’S</a:t>
-            </a:r>
-            <a:r>
-              <a:rPr lang="en-US" sz="6600" b="1" dirty="0">
+              <a:t>rkinson’s </a:t>
+            </a:r>
+            <a:r>
+              <a:rPr lang="en-US" sz="6600" b="1" dirty="0" smtClean="0">
                 <a:solidFill>
                   <a:schemeClr val="bg1"/>
                 </a:solidFill>
               </a:rPr>
-              <a:t> </a:t>
-            </a:r>
-            <a:r>
-              <a:rPr lang="en-US" sz="6600" b="1" dirty="0" err="1">
+              <a:t>Di</a:t>
+            </a:r>
+            <a:r>
+              <a:rPr lang="en-US" sz="6600" b="1" dirty="0" smtClean="0">
                 <a:solidFill>
                   <a:schemeClr val="bg1"/>
                 </a:solidFill>
               </a:rPr>
-              <a:t>dIsEaSe</a:t>
+              <a:t>sease</a:t>
             </a:r>
             <a:endParaRPr lang="nl-NL" sz="7200" b="1" dirty="0">
               <a:solidFill>
@@ -5250,7 +5258,7 @@
         <p:spPr>
           <a:xfrm>
             <a:off x="12932141" y="7864242"/>
-            <a:ext cx="16607065" cy="8865056"/>
+            <a:ext cx="16607065" cy="8956298"/>
           </a:xfrm>
           <a:prstGeom prst="rect">
             <a:avLst/>
@@ -5278,7 +5286,43 @@
             </a:r>
             <a:r>
               <a:rPr lang="en-US" sz="3200" dirty="0"/>
-              <a:t> data used for this project was collected W.R Adams (2017). The data for building the classification model includes 83 participants, of which 31 had mild PD and did not use L-Dopa and 52 persons were healthy. To measure the influence of L-Dopa, there was data used of 31 mild PD patients who used L-Dopa. </a:t>
+              <a:t> data used for this project was collected W.R Adams (2017). The data for building the classification model includes </a:t>
+            </a:r>
+            <a:r>
+              <a:rPr lang="en-US" sz="3200" dirty="0" smtClean="0"/>
+              <a:t>69 </a:t>
+            </a:r>
+            <a:r>
+              <a:rPr lang="en-US" sz="3200" dirty="0"/>
+              <a:t>participants, of which </a:t>
+            </a:r>
+            <a:r>
+              <a:rPr lang="en-US" sz="3200" dirty="0" smtClean="0"/>
+              <a:t>26 </a:t>
+            </a:r>
+            <a:r>
+              <a:rPr lang="en-US" sz="3200" dirty="0"/>
+              <a:t>had mild PD and did not use L-Dopa and </a:t>
+            </a:r>
+            <a:r>
+              <a:rPr lang="en-US" sz="3200" dirty="0" smtClean="0"/>
+              <a:t>43</a:t>
+            </a:r>
+            <a:r>
+              <a:rPr lang="en-US" sz="3200" dirty="0" smtClean="0"/>
+              <a:t> </a:t>
+            </a:r>
+            <a:r>
+              <a:rPr lang="en-US" sz="3200" dirty="0"/>
+              <a:t>persons were healthy. To measure the influence of L-Dopa, there was data used of </a:t>
+            </a:r>
+            <a:r>
+              <a:rPr lang="en-US" sz="3200" dirty="0" smtClean="0"/>
+              <a:t>26 </a:t>
+            </a:r>
+            <a:r>
+              <a:rPr lang="en-US" sz="3200" dirty="0"/>
+              <a:t>mild PD patients who used L-Dopa. </a:t>
             </a:r>
           </a:p>
           <a:p>
@@ -5297,7 +5341,15 @@
             </a:pPr>
             <a:r>
               <a:rPr lang="en-US" sz="3200" dirty="0"/>
-              <a:t>For the prediction of Parkinson’s Disease, there is looked at 27 features in the data. These were separated in two groups:</a:t>
+              <a:t>For the prediction of Parkinson’s </a:t>
+            </a:r>
+            <a:r>
+              <a:rPr lang="en-US" sz="3200" dirty="0" smtClean="0"/>
+              <a:t>Disease, we looked </a:t>
+            </a:r>
+            <a:r>
+              <a:rPr lang="en-US" sz="3200" dirty="0"/>
+              <a:t>at 27 features in the data. These were separated in two groups:</a:t>
             </a:r>
           </a:p>
           <a:p>
@@ -5841,7 +5893,7 @@
         <p:spPr>
           <a:xfrm>
             <a:off x="349607" y="26406553"/>
-            <a:ext cx="13563863" cy="9448740"/>
+            <a:ext cx="13563863" cy="8710077"/>
           </a:xfrm>
           <a:prstGeom prst="rect">
             <a:avLst/>
@@ -5867,8 +5919,8 @@
               <a:t>For all </a:t>
             </a:r>
             <a:r>
-              <a:rPr lang="en-US" sz="3200" dirty="0" err="1"/>
-              <a:t>particpants</a:t>
+              <a:rPr lang="en-US" sz="3200" dirty="0" smtClean="0"/>
+              <a:t>participants</a:t>
             </a:r>
             <a:r>
               <a:rPr lang="en-US" sz="3200" dirty="0"/>
@@ -5885,120 +5937,16 @@
               </a:buBlip>
             </a:pPr>
             <a:r>
+              <a:rPr lang="en-US" sz="3200" dirty="0" smtClean="0"/>
+              <a:t>A Principle </a:t>
+            </a:r>
+            <a:r>
               <a:rPr lang="en-US" sz="3200" dirty="0"/>
-              <a:t>The Principle Component Analysis (PCA) </a:t>
-            </a:r>
-            <a:r>
-              <a:rPr lang="en-US" sz="3200" dirty="0" err="1"/>
-              <a:t>WaS</a:t>
-            </a:r>
-            <a:r>
-              <a:rPr lang="en-US" sz="3200" dirty="0"/>
-              <a:t> </a:t>
-            </a:r>
-            <a:r>
-              <a:rPr lang="en-US" sz="3200" dirty="0" err="1"/>
-              <a:t>uSeD</a:t>
-            </a:r>
-            <a:r>
-              <a:rPr lang="en-US" sz="3200" dirty="0"/>
-              <a:t> </a:t>
-            </a:r>
-            <a:r>
-              <a:rPr lang="en-US" sz="3200" dirty="0" err="1"/>
-              <a:t>tO</a:t>
-            </a:r>
-            <a:r>
-              <a:rPr lang="en-US" sz="3200" dirty="0"/>
-              <a:t> </a:t>
-            </a:r>
-            <a:r>
-              <a:rPr lang="en-US" sz="3200" dirty="0" err="1"/>
-              <a:t>rEdUcE</a:t>
-            </a:r>
-            <a:r>
-              <a:rPr lang="en-US" sz="3200" dirty="0"/>
-              <a:t> </a:t>
-            </a:r>
-            <a:r>
-              <a:rPr lang="en-US" sz="3200" dirty="0" err="1"/>
-              <a:t>tHe</a:t>
-            </a:r>
-            <a:r>
-              <a:rPr lang="en-US" sz="3200" dirty="0"/>
-              <a:t> </a:t>
-            </a:r>
-            <a:r>
-              <a:rPr lang="en-US" sz="3200" dirty="0" err="1"/>
-              <a:t>LaRgE</a:t>
-            </a:r>
-            <a:r>
-              <a:rPr lang="en-US" sz="3200" dirty="0"/>
-              <a:t> </a:t>
-            </a:r>
-            <a:r>
-              <a:rPr lang="en-US" sz="3200" dirty="0" err="1"/>
-              <a:t>sEt</a:t>
-            </a:r>
-            <a:r>
-              <a:rPr lang="en-US" sz="3200" dirty="0"/>
-              <a:t> Of </a:t>
-            </a:r>
-            <a:r>
-              <a:rPr lang="en-US" sz="3200" dirty="0" err="1"/>
-              <a:t>FeAtUrEs</a:t>
-            </a:r>
-            <a:r>
-              <a:rPr lang="en-US" sz="3200" dirty="0"/>
-              <a:t> To A </a:t>
-            </a:r>
-            <a:r>
-              <a:rPr lang="en-US" sz="3200" dirty="0" err="1"/>
-              <a:t>sMaLlEr</a:t>
-            </a:r>
-            <a:r>
-              <a:rPr lang="en-US" sz="3200" dirty="0"/>
-              <a:t> </a:t>
-            </a:r>
-            <a:r>
-              <a:rPr lang="en-US" sz="3200" dirty="0" err="1"/>
-              <a:t>SeT</a:t>
-            </a:r>
-            <a:r>
-              <a:rPr lang="en-US" sz="3200" dirty="0"/>
-              <a:t> </a:t>
-            </a:r>
-            <a:r>
-              <a:rPr lang="en-US" sz="3200" dirty="0" err="1"/>
-              <a:t>oF</a:t>
-            </a:r>
-            <a:r>
-              <a:rPr lang="en-US" sz="3200" dirty="0"/>
-              <a:t> 27 </a:t>
-            </a:r>
-            <a:r>
-              <a:rPr lang="en-US" sz="3200" dirty="0" err="1"/>
-              <a:t>fEaTuReS</a:t>
-            </a:r>
-            <a:r>
-              <a:rPr lang="en-US" sz="3200" dirty="0"/>
-              <a:t> (</a:t>
-            </a:r>
-            <a:r>
-              <a:rPr lang="en-US" sz="3200" dirty="0" err="1"/>
-              <a:t>sEe</a:t>
-            </a:r>
-            <a:r>
-              <a:rPr lang="en-US" sz="3200" dirty="0"/>
-              <a:t> </a:t>
-            </a:r>
-            <a:r>
-              <a:rPr lang="en-US" sz="3200" dirty="0" err="1"/>
-              <a:t>FiGuRe</a:t>
-            </a:r>
-            <a:r>
-              <a:rPr lang="en-US" sz="3200" dirty="0"/>
-              <a:t> 2)</a:t>
+              <a:t>Component Analysis (PCA) </a:t>
+            </a:r>
+            <a:r>
+              <a:rPr lang="en-US" sz="3200" dirty="0" smtClean="0"/>
+              <a:t>was used to reduce the larger set of features to a smaller set. Hold 5 features and Latency 6 features with an explained variance of 90%.</a:t>
             </a:r>
           </a:p>
           <a:p>
@@ -6011,8 +5959,12 @@
               </a:buBlip>
             </a:pPr>
             <a:r>
+              <a:rPr lang="en-US" sz="3200" dirty="0" smtClean="0"/>
+              <a:t>The </a:t>
+            </a:r>
+            <a:r>
               <a:rPr lang="en-US" sz="3200" dirty="0"/>
-              <a:t>The data used for building the classification model was randomly split in 70% training data and 30% test data, which was fitted using a 10 fold cross validation. </a:t>
+              <a:t>data used for building the classification model was randomly split in 70% training data and 30% test data, which was fitted using a 10 fold cross validation. </a:t>
             </a:r>
           </a:p>
           <a:p>
@@ -6045,63 +5997,23 @@
             </a:r>
             <a:r>
               <a:rPr lang="en-US" sz="3200" dirty="0"/>
-              <a:t>, Tree) were fitted to the data ……</a:t>
-            </a:r>
-          </a:p>
-          <a:p>
-            <a:pPr marL="457200" indent="-457200">
-              <a:lnSpc>
-                <a:spcPct val="150000"/>
-              </a:lnSpc>
-              <a:buBlip>
-                <a:blip r:embed="rId6"/>
-              </a:buBlip>
-            </a:pPr>
-            <a:r>
-              <a:rPr lang="en-US" sz="3200" dirty="0"/>
-              <a:t>The regression model predicted with an accuracy of … the diagnosis of mild PD.  </a:t>
-            </a:r>
+              <a:t>, Tree) were fitted to the </a:t>
+            </a:r>
+            <a:r>
+              <a:rPr lang="en-US" sz="3200" dirty="0" smtClean="0"/>
+              <a:t>data. The Tree classifier </a:t>
+            </a:r>
+            <a:r>
+              <a:rPr lang="en-US" sz="3200" dirty="0" smtClean="0"/>
+              <a:t>was the best and is used. </a:t>
+            </a:r>
+            <a:endParaRPr lang="en-US" sz="3200" dirty="0" smtClean="0"/>
           </a:p>
           <a:p>
             <a:endParaRPr lang="en-US" sz="3200" dirty="0"/>
           </a:p>
         </p:txBody>
       </p:sp>
-      <p:pic>
-        <p:nvPicPr>
-          <p:cNvPr id="23" name="Afbeelding 22">
-            <a:extLst>
-              <a:ext uri="{FF2B5EF4-FFF2-40B4-BE49-F238E27FC236}">
-                <a16:creationId xmlns:a16="http://schemas.microsoft.com/office/drawing/2014/main" id="{4980D564-6A54-42AE-8938-F8F859EB6BC3}"/>
-              </a:ext>
-            </a:extLst>
-          </p:cNvPr>
-          <p:cNvPicPr>
-            <a:picLocks noChangeAspect="1"/>
-          </p:cNvPicPr>
-          <p:nvPr/>
-        </p:nvPicPr>
-        <p:blipFill rotWithShape="1">
-          <a:blip r:embed="rId6">
-            <a:extLst>
-              <a:ext uri="{28A0092B-C50C-407E-A947-70E740481C1C}">
-                <a14:useLocalDpi xmlns:a14="http://schemas.microsoft.com/office/drawing/2010/main" val="0"/>
-              </a:ext>
-            </a:extLst>
-          </a:blip>
-          <a:srcRect t="11095"/>
-          <a:stretch/>
-        </p:blipFill>
-        <p:spPr>
-          <a:xfrm>
-            <a:off x="21235673" y="17744132"/>
-            <a:ext cx="6674562" cy="6002723"/>
-          </a:xfrm>
-          <a:prstGeom prst="rect">
-            <a:avLst/>
-          </a:prstGeom>
-        </p:spPr>
-      </p:pic>
       <p:sp>
         <p:nvSpPr>
           <p:cNvPr id="24" name="Tekstvak 23">
@@ -6116,7 +6028,7 @@
         </p:nvSpPr>
         <p:spPr>
           <a:xfrm>
-            <a:off x="21281870" y="23914332"/>
+            <a:off x="21230996" y="24192816"/>
             <a:ext cx="6673160" cy="523220"/>
           </a:xfrm>
           <a:prstGeom prst="rect">
@@ -6131,9 +6043,10 @@
           <a:lstStyle/>
           <a:p>
             <a:r>
-              <a:rPr lang="en-US" sz="2800" dirty="0"/>
-              <a:t>FiGuRe.2.  </a:t>
-            </a:r>
+              <a:rPr lang="en-US" sz="2800" dirty="0" smtClean="0"/>
+              <a:t>Fig. 2. ROC curve   </a:t>
+            </a:r>
+            <a:endParaRPr lang="en-US" sz="2800" dirty="0"/>
           </a:p>
         </p:txBody>
       </p:sp>
@@ -6152,7 +6065,7 @@
         <p:spPr>
           <a:xfrm>
             <a:off x="14633550" y="26406553"/>
-            <a:ext cx="14905656" cy="1569660"/>
+            <a:ext cx="14905656" cy="6494085"/>
           </a:xfrm>
           <a:prstGeom prst="rect">
             <a:avLst/>
@@ -6172,8 +6085,33 @@
             </a:pPr>
             <a:r>
               <a:rPr lang="en-US" sz="3200" dirty="0"/>
-              <a:t>False negative / True positive rate</a:t>
-            </a:r>
+              <a:t>The </a:t>
+            </a:r>
+            <a:r>
+              <a:rPr lang="en-US" sz="3200" dirty="0" smtClean="0"/>
+              <a:t>classification </a:t>
+            </a:r>
+            <a:r>
+              <a:rPr lang="en-US" sz="3200" dirty="0"/>
+              <a:t>model predicted with an accuracy of </a:t>
+            </a:r>
+            <a:r>
+              <a:rPr lang="en-US" sz="3200" dirty="0" smtClean="0"/>
+              <a:t>76% </a:t>
+            </a:r>
+            <a:r>
+              <a:rPr lang="en-US" sz="3200" dirty="0"/>
+              <a:t>the diagnosis of </a:t>
+            </a:r>
+            <a:r>
+              <a:rPr lang="en-US" sz="3200" dirty="0" smtClean="0"/>
+              <a:t>mild </a:t>
+            </a:r>
+            <a:r>
+              <a:rPr lang="en-US" sz="3200" dirty="0"/>
+              <a:t>PD.  </a:t>
+            </a:r>
+            <a:endParaRPr lang="en-US" sz="3200" dirty="0" smtClean="0"/>
           </a:p>
           <a:p>
             <a:pPr marL="457200" indent="-457200">
@@ -6190,16 +6128,714 @@
               </a:buBlip>
             </a:pPr>
             <a:r>
-              <a:rPr lang="en-US" sz="3200" dirty="0"/>
-              <a:t>Effect </a:t>
-            </a:r>
-            <a:r>
-              <a:rPr lang="en-US" sz="3200"/>
-              <a:t>of L-Dopa </a:t>
-            </a:r>
-          </a:p>
-        </p:txBody>
-      </p:sp>
+              <a:rPr lang="en-US" sz="3200" dirty="0" smtClean="0"/>
+              <a:t> </a:t>
+            </a:r>
+          </a:p>
+          <a:p>
+            <a:pPr marL="457200" indent="-457200">
+              <a:buBlip>
+                <a:blip r:embed="rId6"/>
+              </a:buBlip>
+            </a:pPr>
+            <a:endParaRPr lang="en-US" sz="3200" dirty="0"/>
+          </a:p>
+          <a:p>
+            <a:pPr marL="457200" indent="-457200">
+              <a:buBlip>
+                <a:blip r:embed="rId6"/>
+              </a:buBlip>
+            </a:pPr>
+            <a:endParaRPr lang="en-US" sz="3200" dirty="0" smtClean="0"/>
+          </a:p>
+          <a:p>
+            <a:pPr marL="457200" indent="-457200">
+              <a:buBlip>
+                <a:blip r:embed="rId6"/>
+              </a:buBlip>
+            </a:pPr>
+            <a:endParaRPr lang="en-US" sz="3200" dirty="0"/>
+          </a:p>
+          <a:p>
+            <a:pPr marL="457200" indent="-457200">
+              <a:buBlip>
+                <a:blip r:embed="rId6"/>
+              </a:buBlip>
+            </a:pPr>
+            <a:endParaRPr lang="en-US" sz="3200" dirty="0" smtClean="0"/>
+          </a:p>
+          <a:p>
+            <a:endParaRPr lang="en-US" sz="3200" dirty="0"/>
+          </a:p>
+          <a:p>
+            <a:endParaRPr lang="en-US" sz="3200" dirty="0" smtClean="0"/>
+          </a:p>
+          <a:p>
+            <a:endParaRPr lang="en-US" sz="3200" dirty="0"/>
+          </a:p>
+          <a:p>
+            <a:pPr marL="457200" indent="-457200">
+              <a:buBlip>
+                <a:blip r:embed="rId6"/>
+              </a:buBlip>
+            </a:pPr>
+            <a:endParaRPr lang="en-US" sz="3200" dirty="0" smtClean="0"/>
+          </a:p>
+          <a:p>
+            <a:pPr marL="457200" indent="-457200">
+              <a:buBlip>
+                <a:blip r:embed="rId6"/>
+              </a:buBlip>
+            </a:pPr>
+            <a:r>
+              <a:rPr lang="en-US" sz="3200" dirty="0" smtClean="0"/>
+              <a:t>L-Dopa is almost the same as non PD patients (see figure 2). </a:t>
+            </a:r>
+            <a:r>
+              <a:rPr lang="en-US" sz="3200" dirty="0" smtClean="0"/>
+              <a:t>This shows that </a:t>
+            </a:r>
+            <a:endParaRPr lang="en-US" sz="3200" dirty="0"/>
+          </a:p>
+        </p:txBody>
+      </p:sp>
+      <p:graphicFrame>
+        <p:nvGraphicFramePr>
+          <p:cNvPr id="26" name="Table 25"/>
+          <p:cNvGraphicFramePr>
+            <a:graphicFrameLocks noGrp="1"/>
+          </p:cNvGraphicFramePr>
+          <p:nvPr>
+            <p:extLst>
+              <p:ext uri="{D42A27DB-BD31-4B8C-83A1-F6EECF244321}">
+                <p14:modId xmlns:p14="http://schemas.microsoft.com/office/powerpoint/2010/main" val="3806811763"/>
+              </p:ext>
+            </p:extLst>
+          </p:nvPr>
+        </p:nvGraphicFramePr>
+        <p:xfrm>
+          <a:off x="15157353" y="27896735"/>
+          <a:ext cx="13454648" cy="4053840"/>
+        </p:xfrm>
+        <a:graphic>
+          <a:graphicData uri="http://schemas.openxmlformats.org/drawingml/2006/table">
+            <a:tbl>
+              <a:tblPr firstRow="1" bandRow="1">
+                <a:tableStyleId>{5940675A-B579-460E-94D1-54222C63F5DA}</a:tableStyleId>
+              </a:tblPr>
+              <a:tblGrid>
+                <a:gridCol w="6727324">
+                  <a:extLst>
+                    <a:ext uri="{9D8B030D-6E8A-4147-A177-3AD203B41FA5}">
+                      <a16:colId xmlns:a16="http://schemas.microsoft.com/office/drawing/2014/main" val="2908822009"/>
+                    </a:ext>
+                  </a:extLst>
+                </a:gridCol>
+                <a:gridCol w="6727324">
+                  <a:extLst>
+                    <a:ext uri="{9D8B030D-6E8A-4147-A177-3AD203B41FA5}">
+                      <a16:colId xmlns:a16="http://schemas.microsoft.com/office/drawing/2014/main" val="2344865991"/>
+                    </a:ext>
+                  </a:extLst>
+                </a:gridCol>
+              </a:tblGrid>
+              <a:tr h="236871">
+                <a:tc>
+                  <a:txBody>
+                    <a:bodyPr/>
+                    <a:lstStyle/>
+                    <a:p>
+                      <a:r>
+                        <a:rPr lang="nl-NL" sz="3200" dirty="0" smtClean="0"/>
+                        <a:t>PD/non-PD</a:t>
+                      </a:r>
+                      <a:endParaRPr lang="nl-NL" sz="3200" dirty="0"/>
+                    </a:p>
+                  </a:txBody>
+                  <a:tcPr>
+                    <a:lnL w="12700" cmpd="sng">
+                      <a:noFill/>
+                    </a:lnL>
+                    <a:lnR w="12700" cmpd="sng">
+                      <a:noFill/>
+                    </a:lnR>
+                    <a:lnT w="12700" cmpd="sng">
+                      <a:noFill/>
+                    </a:lnT>
+                    <a:lnB w="12700" cmpd="sng">
+                      <a:noFill/>
+                    </a:lnB>
+                    <a:lnTlToBr w="12700" cmpd="sng">
+                      <a:noFill/>
+                      <a:prstDash val="solid"/>
+                    </a:lnTlToBr>
+                    <a:lnBlToTr w="12700" cmpd="sng">
+                      <a:noFill/>
+                      <a:prstDash val="solid"/>
+                    </a:lnBlToTr>
+                  </a:tcPr>
+                </a:tc>
+                <a:tc>
+                  <a:txBody>
+                    <a:bodyPr/>
+                    <a:lstStyle/>
+                    <a:p>
+                      <a:r>
+                        <a:rPr lang="nl-NL" sz="3200" dirty="0" smtClean="0"/>
+                        <a:t>7/14</a:t>
+                      </a:r>
+                      <a:endParaRPr lang="nl-NL" sz="3200" dirty="0"/>
+                    </a:p>
+                  </a:txBody>
+                  <a:tcPr>
+                    <a:lnL w="12700" cmpd="sng">
+                      <a:noFill/>
+                    </a:lnL>
+                    <a:lnR w="12700" cmpd="sng">
+                      <a:noFill/>
+                    </a:lnR>
+                    <a:lnT w="12700" cmpd="sng">
+                      <a:noFill/>
+                    </a:lnT>
+                    <a:lnB w="12700" cmpd="sng">
+                      <a:noFill/>
+                    </a:lnB>
+                    <a:lnTlToBr w="12700" cmpd="sng">
+                      <a:noFill/>
+                      <a:prstDash val="solid"/>
+                    </a:lnTlToBr>
+                    <a:lnBlToTr w="12700" cmpd="sng">
+                      <a:noFill/>
+                      <a:prstDash val="solid"/>
+                    </a:lnBlToTr>
+                  </a:tcPr>
+                </a:tc>
+                <a:extLst>
+                  <a:ext uri="{0D108BD9-81ED-4DB2-BD59-A6C34878D82A}">
+                    <a16:rowId xmlns:a16="http://schemas.microsoft.com/office/drawing/2014/main" val="2457231019"/>
+                  </a:ext>
+                </a:extLst>
+              </a:tr>
+              <a:tr h="236871">
+                <a:tc>
+                  <a:txBody>
+                    <a:bodyPr/>
+                    <a:lstStyle/>
+                    <a:p>
+                      <a:r>
+                        <a:rPr lang="nl-NL" sz="3200" dirty="0" smtClean="0"/>
+                        <a:t>True </a:t>
+                      </a:r>
+                      <a:r>
+                        <a:rPr lang="nl-NL" sz="3200" dirty="0" err="1" smtClean="0"/>
+                        <a:t>Positive</a:t>
+                      </a:r>
+                      <a:endParaRPr lang="nl-NL" sz="3200" dirty="0"/>
+                    </a:p>
+                  </a:txBody>
+                  <a:tcPr>
+                    <a:lnL w="12700" cmpd="sng">
+                      <a:noFill/>
+                    </a:lnL>
+                    <a:lnR w="12700" cmpd="sng">
+                      <a:noFill/>
+                    </a:lnR>
+                    <a:lnT w="12700" cmpd="sng">
+                      <a:noFill/>
+                    </a:lnT>
+                    <a:lnB w="12700" cmpd="sng">
+                      <a:noFill/>
+                    </a:lnB>
+                    <a:lnTlToBr w="12700" cmpd="sng">
+                      <a:noFill/>
+                      <a:prstDash val="solid"/>
+                    </a:lnTlToBr>
+                    <a:lnBlToTr w="12700" cmpd="sng">
+                      <a:noFill/>
+                      <a:prstDash val="solid"/>
+                    </a:lnBlToTr>
+                  </a:tcPr>
+                </a:tc>
+                <a:tc>
+                  <a:txBody>
+                    <a:bodyPr/>
+                    <a:lstStyle/>
+                    <a:p>
+                      <a:r>
+                        <a:rPr lang="nl-NL" sz="3200" dirty="0" smtClean="0"/>
+                        <a:t>5</a:t>
+                      </a:r>
+                      <a:endParaRPr lang="nl-NL" sz="3200" dirty="0"/>
+                    </a:p>
+                  </a:txBody>
+                  <a:tcPr>
+                    <a:lnL w="12700" cmpd="sng">
+                      <a:noFill/>
+                    </a:lnL>
+                    <a:lnR w="12700" cmpd="sng">
+                      <a:noFill/>
+                    </a:lnR>
+                    <a:lnT w="12700" cmpd="sng">
+                      <a:noFill/>
+                    </a:lnT>
+                    <a:lnB w="12700" cmpd="sng">
+                      <a:noFill/>
+                    </a:lnB>
+                    <a:lnTlToBr w="12700" cmpd="sng">
+                      <a:noFill/>
+                      <a:prstDash val="solid"/>
+                    </a:lnTlToBr>
+                    <a:lnBlToTr w="12700" cmpd="sng">
+                      <a:noFill/>
+                      <a:prstDash val="solid"/>
+                    </a:lnBlToTr>
+                  </a:tcPr>
+                </a:tc>
+                <a:extLst>
+                  <a:ext uri="{0D108BD9-81ED-4DB2-BD59-A6C34878D82A}">
+                    <a16:rowId xmlns:a16="http://schemas.microsoft.com/office/drawing/2014/main" val="846172507"/>
+                  </a:ext>
+                </a:extLst>
+              </a:tr>
+              <a:tr h="236871">
+                <a:tc>
+                  <a:txBody>
+                    <a:bodyPr/>
+                    <a:lstStyle/>
+                    <a:p>
+                      <a:r>
+                        <a:rPr lang="nl-NL" sz="3200" dirty="0" smtClean="0"/>
+                        <a:t>True </a:t>
+                      </a:r>
+                      <a:r>
+                        <a:rPr lang="nl-NL" sz="3200" dirty="0" err="1" smtClean="0"/>
+                        <a:t>Negative</a:t>
+                      </a:r>
+                      <a:endParaRPr lang="nl-NL" sz="3200" dirty="0"/>
+                    </a:p>
+                  </a:txBody>
+                  <a:tcPr>
+                    <a:lnL w="12700" cmpd="sng">
+                      <a:noFill/>
+                    </a:lnL>
+                    <a:lnR w="12700" cmpd="sng">
+                      <a:noFill/>
+                    </a:lnR>
+                    <a:lnT w="12700" cmpd="sng">
+                      <a:noFill/>
+                    </a:lnT>
+                    <a:lnB w="12700" cmpd="sng">
+                      <a:noFill/>
+                    </a:lnB>
+                    <a:lnTlToBr w="12700" cmpd="sng">
+                      <a:noFill/>
+                      <a:prstDash val="solid"/>
+                    </a:lnTlToBr>
+                    <a:lnBlToTr w="12700" cmpd="sng">
+                      <a:noFill/>
+                      <a:prstDash val="solid"/>
+                    </a:lnBlToTr>
+                  </a:tcPr>
+                </a:tc>
+                <a:tc>
+                  <a:txBody>
+                    <a:bodyPr/>
+                    <a:lstStyle/>
+                    <a:p>
+                      <a:r>
+                        <a:rPr lang="nl-NL" sz="3200" dirty="0" smtClean="0"/>
+                        <a:t>11</a:t>
+                      </a:r>
+                      <a:endParaRPr lang="nl-NL" sz="3200" dirty="0"/>
+                    </a:p>
+                  </a:txBody>
+                  <a:tcPr>
+                    <a:lnL w="12700" cmpd="sng">
+                      <a:noFill/>
+                    </a:lnL>
+                    <a:lnR w="12700" cmpd="sng">
+                      <a:noFill/>
+                    </a:lnR>
+                    <a:lnT w="12700" cmpd="sng">
+                      <a:noFill/>
+                    </a:lnT>
+                    <a:lnB w="12700" cmpd="sng">
+                      <a:noFill/>
+                    </a:lnB>
+                    <a:lnTlToBr w="12700" cmpd="sng">
+                      <a:noFill/>
+                      <a:prstDash val="solid"/>
+                    </a:lnTlToBr>
+                    <a:lnBlToTr w="12700" cmpd="sng">
+                      <a:noFill/>
+                      <a:prstDash val="solid"/>
+                    </a:lnBlToTr>
+                  </a:tcPr>
+                </a:tc>
+                <a:extLst>
+                  <a:ext uri="{0D108BD9-81ED-4DB2-BD59-A6C34878D82A}">
+                    <a16:rowId xmlns:a16="http://schemas.microsoft.com/office/drawing/2014/main" val="2773376489"/>
+                  </a:ext>
+                </a:extLst>
+              </a:tr>
+              <a:tr h="264730">
+                <a:tc>
+                  <a:txBody>
+                    <a:bodyPr/>
+                    <a:lstStyle/>
+                    <a:p>
+                      <a:r>
+                        <a:rPr lang="nl-NL" sz="3200" dirty="0" err="1" smtClean="0"/>
+                        <a:t>False</a:t>
+                      </a:r>
+                      <a:r>
+                        <a:rPr lang="nl-NL" sz="3200" dirty="0" smtClean="0"/>
+                        <a:t> </a:t>
+                      </a:r>
+                      <a:r>
+                        <a:rPr lang="nl-NL" sz="3200" dirty="0" err="1" smtClean="0"/>
+                        <a:t>Positive</a:t>
+                      </a:r>
+                      <a:endParaRPr lang="nl-NL" sz="3200" dirty="0"/>
+                    </a:p>
+                  </a:txBody>
+                  <a:tcPr>
+                    <a:lnL w="12700" cmpd="sng">
+                      <a:noFill/>
+                    </a:lnL>
+                    <a:lnR w="12700" cmpd="sng">
+                      <a:noFill/>
+                    </a:lnR>
+                    <a:lnT w="12700" cmpd="sng">
+                      <a:noFill/>
+                    </a:lnT>
+                    <a:lnB w="12700" cmpd="sng">
+                      <a:noFill/>
+                    </a:lnB>
+                    <a:lnTlToBr w="12700" cmpd="sng">
+                      <a:noFill/>
+                      <a:prstDash val="solid"/>
+                    </a:lnTlToBr>
+                    <a:lnBlToTr w="12700" cmpd="sng">
+                      <a:noFill/>
+                      <a:prstDash val="solid"/>
+                    </a:lnBlToTr>
+                  </a:tcPr>
+                </a:tc>
+                <a:tc>
+                  <a:txBody>
+                    <a:bodyPr/>
+                    <a:lstStyle/>
+                    <a:p>
+                      <a:r>
+                        <a:rPr lang="nl-NL" sz="3200" dirty="0" smtClean="0"/>
+                        <a:t>2</a:t>
+                      </a:r>
+                      <a:endParaRPr lang="nl-NL" sz="3200" dirty="0"/>
+                    </a:p>
+                  </a:txBody>
+                  <a:tcPr>
+                    <a:lnL w="12700" cmpd="sng">
+                      <a:noFill/>
+                    </a:lnL>
+                    <a:lnR w="12700" cmpd="sng">
+                      <a:noFill/>
+                    </a:lnR>
+                    <a:lnT w="12700" cmpd="sng">
+                      <a:noFill/>
+                    </a:lnT>
+                    <a:lnB w="12700" cmpd="sng">
+                      <a:noFill/>
+                    </a:lnB>
+                    <a:lnTlToBr w="12700" cmpd="sng">
+                      <a:noFill/>
+                      <a:prstDash val="solid"/>
+                    </a:lnTlToBr>
+                    <a:lnBlToTr w="12700" cmpd="sng">
+                      <a:noFill/>
+                      <a:prstDash val="solid"/>
+                    </a:lnBlToTr>
+                  </a:tcPr>
+                </a:tc>
+                <a:extLst>
+                  <a:ext uri="{0D108BD9-81ED-4DB2-BD59-A6C34878D82A}">
+                    <a16:rowId xmlns:a16="http://schemas.microsoft.com/office/drawing/2014/main" val="3047636882"/>
+                  </a:ext>
+                </a:extLst>
+              </a:tr>
+              <a:tr h="236871">
+                <a:tc>
+                  <a:txBody>
+                    <a:bodyPr/>
+                    <a:lstStyle/>
+                    <a:p>
+                      <a:r>
+                        <a:rPr lang="nl-NL" sz="3200" dirty="0" err="1" smtClean="0"/>
+                        <a:t>False</a:t>
+                      </a:r>
+                      <a:r>
+                        <a:rPr lang="nl-NL" sz="3200" dirty="0" smtClean="0"/>
+                        <a:t> </a:t>
+                      </a:r>
+                      <a:r>
+                        <a:rPr lang="nl-NL" sz="3200" dirty="0" err="1" smtClean="0"/>
+                        <a:t>Negative</a:t>
+                      </a:r>
+                      <a:endParaRPr lang="nl-NL" sz="3200" dirty="0"/>
+                    </a:p>
+                  </a:txBody>
+                  <a:tcPr>
+                    <a:lnL w="12700" cmpd="sng">
+                      <a:noFill/>
+                    </a:lnL>
+                    <a:lnR w="12700" cmpd="sng">
+                      <a:noFill/>
+                    </a:lnR>
+                    <a:lnT w="12700" cmpd="sng">
+                      <a:noFill/>
+                    </a:lnT>
+                    <a:lnB w="12700" cmpd="sng">
+                      <a:noFill/>
+                    </a:lnB>
+                    <a:lnTlToBr w="12700" cmpd="sng">
+                      <a:noFill/>
+                      <a:prstDash val="solid"/>
+                    </a:lnTlToBr>
+                    <a:lnBlToTr w="12700" cmpd="sng">
+                      <a:noFill/>
+                      <a:prstDash val="solid"/>
+                    </a:lnBlToTr>
+                  </a:tcPr>
+                </a:tc>
+                <a:tc>
+                  <a:txBody>
+                    <a:bodyPr/>
+                    <a:lstStyle/>
+                    <a:p>
+                      <a:r>
+                        <a:rPr lang="nl-NL" sz="3200" dirty="0" smtClean="0"/>
+                        <a:t>3</a:t>
+                      </a:r>
+                      <a:endParaRPr lang="nl-NL" sz="3200" dirty="0"/>
+                    </a:p>
+                  </a:txBody>
+                  <a:tcPr>
+                    <a:lnL w="12700" cmpd="sng">
+                      <a:noFill/>
+                    </a:lnL>
+                    <a:lnR w="12700" cmpd="sng">
+                      <a:noFill/>
+                    </a:lnR>
+                    <a:lnT w="12700" cmpd="sng">
+                      <a:noFill/>
+                    </a:lnT>
+                    <a:lnB w="12700" cmpd="sng">
+                      <a:noFill/>
+                    </a:lnB>
+                    <a:lnTlToBr w="12700" cmpd="sng">
+                      <a:noFill/>
+                      <a:prstDash val="solid"/>
+                    </a:lnTlToBr>
+                    <a:lnBlToTr w="12700" cmpd="sng">
+                      <a:noFill/>
+                      <a:prstDash val="solid"/>
+                    </a:lnBlToTr>
+                  </a:tcPr>
+                </a:tc>
+                <a:extLst>
+                  <a:ext uri="{0D108BD9-81ED-4DB2-BD59-A6C34878D82A}">
+                    <a16:rowId xmlns:a16="http://schemas.microsoft.com/office/drawing/2014/main" val="2374965232"/>
+                  </a:ext>
+                </a:extLst>
+              </a:tr>
+              <a:tr h="236871">
+                <a:tc>
+                  <a:txBody>
+                    <a:bodyPr/>
+                    <a:lstStyle/>
+                    <a:p>
+                      <a:r>
+                        <a:rPr lang="nl-NL" sz="3200" dirty="0" err="1" smtClean="0"/>
+                        <a:t>Sensitivity</a:t>
+                      </a:r>
+                      <a:endParaRPr lang="nl-NL" sz="3200" dirty="0"/>
+                    </a:p>
+                  </a:txBody>
+                  <a:tcPr>
+                    <a:lnL w="12700" cmpd="sng">
+                      <a:noFill/>
+                    </a:lnL>
+                    <a:lnR w="12700" cmpd="sng">
+                      <a:noFill/>
+                    </a:lnR>
+                    <a:lnT w="12700" cmpd="sng">
+                      <a:noFill/>
+                    </a:lnT>
+                    <a:lnB w="12700" cmpd="sng">
+                      <a:noFill/>
+                    </a:lnB>
+                    <a:lnTlToBr w="12700" cmpd="sng">
+                      <a:noFill/>
+                      <a:prstDash val="solid"/>
+                    </a:lnTlToBr>
+                    <a:lnBlToTr w="12700" cmpd="sng">
+                      <a:noFill/>
+                      <a:prstDash val="solid"/>
+                    </a:lnBlToTr>
+                  </a:tcPr>
+                </a:tc>
+                <a:tc>
+                  <a:txBody>
+                    <a:bodyPr/>
+                    <a:lstStyle/>
+                    <a:p>
+                      <a:r>
+                        <a:rPr lang="nl-NL" sz="3200" dirty="0" smtClean="0"/>
+                        <a:t>62.5%</a:t>
+                      </a:r>
+                      <a:endParaRPr lang="nl-NL" sz="3200" dirty="0"/>
+                    </a:p>
+                  </a:txBody>
+                  <a:tcPr>
+                    <a:lnL w="12700" cmpd="sng">
+                      <a:noFill/>
+                    </a:lnL>
+                    <a:lnR w="12700" cmpd="sng">
+                      <a:noFill/>
+                    </a:lnR>
+                    <a:lnT w="12700" cmpd="sng">
+                      <a:noFill/>
+                    </a:lnT>
+                    <a:lnB w="12700" cmpd="sng">
+                      <a:noFill/>
+                    </a:lnB>
+                    <a:lnTlToBr w="12700" cmpd="sng">
+                      <a:noFill/>
+                      <a:prstDash val="solid"/>
+                    </a:lnTlToBr>
+                    <a:lnBlToTr w="12700" cmpd="sng">
+                      <a:noFill/>
+                      <a:prstDash val="solid"/>
+                    </a:lnBlToTr>
+                  </a:tcPr>
+                </a:tc>
+                <a:extLst>
+                  <a:ext uri="{0D108BD9-81ED-4DB2-BD59-A6C34878D82A}">
+                    <a16:rowId xmlns:a16="http://schemas.microsoft.com/office/drawing/2014/main" val="3543174021"/>
+                  </a:ext>
+                </a:extLst>
+              </a:tr>
+              <a:tr h="236871">
+                <a:tc>
+                  <a:txBody>
+                    <a:bodyPr/>
+                    <a:lstStyle/>
+                    <a:p>
+                      <a:r>
+                        <a:rPr lang="nl-NL" sz="3200" dirty="0" err="1" smtClean="0"/>
+                        <a:t>Specificity</a:t>
+                      </a:r>
+                      <a:endParaRPr lang="nl-NL" sz="3200" dirty="0"/>
+                    </a:p>
+                  </a:txBody>
+                  <a:tcPr>
+                    <a:lnL w="12700" cmpd="sng">
+                      <a:noFill/>
+                    </a:lnL>
+                    <a:lnR w="12700" cmpd="sng">
+                      <a:noFill/>
+                    </a:lnR>
+                    <a:lnT w="12700" cmpd="sng">
+                      <a:noFill/>
+                    </a:lnT>
+                    <a:lnB w="12700" cmpd="sng">
+                      <a:noFill/>
+                    </a:lnB>
+                    <a:lnTlToBr w="12700" cmpd="sng">
+                      <a:noFill/>
+                      <a:prstDash val="solid"/>
+                    </a:lnTlToBr>
+                    <a:lnBlToTr w="12700" cmpd="sng">
+                      <a:noFill/>
+                      <a:prstDash val="solid"/>
+                    </a:lnBlToTr>
+                  </a:tcPr>
+                </a:tc>
+                <a:tc>
+                  <a:txBody>
+                    <a:bodyPr/>
+                    <a:lstStyle/>
+                    <a:p>
+                      <a:r>
+                        <a:rPr lang="nl-NL" sz="3200" dirty="0" smtClean="0"/>
+                        <a:t>84.6%</a:t>
+                      </a:r>
+                      <a:endParaRPr lang="nl-NL" sz="3200" dirty="0"/>
+                    </a:p>
+                  </a:txBody>
+                  <a:tcPr>
+                    <a:lnL w="12700" cmpd="sng">
+                      <a:noFill/>
+                    </a:lnL>
+                    <a:lnR w="12700" cmpd="sng">
+                      <a:noFill/>
+                    </a:lnR>
+                    <a:lnT w="12700" cmpd="sng">
+                      <a:noFill/>
+                    </a:lnT>
+                    <a:lnB w="12700" cmpd="sng">
+                      <a:noFill/>
+                    </a:lnB>
+                    <a:lnTlToBr w="12700" cmpd="sng">
+                      <a:noFill/>
+                      <a:prstDash val="solid"/>
+                    </a:lnTlToBr>
+                    <a:lnBlToTr w="12700" cmpd="sng">
+                      <a:noFill/>
+                      <a:prstDash val="solid"/>
+                    </a:lnBlToTr>
+                  </a:tcPr>
+                </a:tc>
+                <a:extLst>
+                  <a:ext uri="{0D108BD9-81ED-4DB2-BD59-A6C34878D82A}">
+                    <a16:rowId xmlns:a16="http://schemas.microsoft.com/office/drawing/2014/main" val="2565771915"/>
+                  </a:ext>
+                </a:extLst>
+              </a:tr>
+            </a:tbl>
+          </a:graphicData>
+        </a:graphic>
+      </p:graphicFrame>
+      <p:pic>
+        <p:nvPicPr>
+          <p:cNvPr id="27" name="Picture 26"/>
+          <p:cNvPicPr>
+            <a:picLocks noChangeAspect="1"/>
+          </p:cNvPicPr>
+          <p:nvPr/>
+        </p:nvPicPr>
+        <p:blipFill>
+          <a:blip r:embed="rId7">
+            <a:extLst>
+              <a:ext uri="{28A0092B-C50C-407E-A947-70E740481C1C}">
+                <a14:useLocalDpi xmlns:a14="http://schemas.microsoft.com/office/drawing/2010/main" val="0"/>
+              </a:ext>
+            </a:extLst>
+          </a:blip>
+          <a:stretch>
+            <a:fillRect/>
+          </a:stretch>
+        </p:blipFill>
+        <p:spPr>
+          <a:xfrm>
+            <a:off x="20223565" y="17877599"/>
+            <a:ext cx="8523553" cy="6091384"/>
+          </a:xfrm>
+          <a:prstGeom prst="rect">
+            <a:avLst/>
+          </a:prstGeom>
+        </p:spPr>
+      </p:pic>
     </p:spTree>
     <p:extLst>
       <p:ext uri="{BB962C8B-B14F-4D97-AF65-F5344CB8AC3E}">
